--- a/CC/MapReduce.pptx
+++ b/CC/MapReduce.pptx
@@ -6,8 +6,10 @@
   </p:sldMasterIdLst>
   <p:sldIdLst>
     <p:sldId id="256" r:id="rId2"/>
-    <p:sldId id="257" r:id="rId3"/>
-    <p:sldId id="258" r:id="rId4"/>
+    <p:sldId id="259" r:id="rId3"/>
+    <p:sldId id="257" r:id="rId4"/>
+    <p:sldId id="258" r:id="rId5"/>
+    <p:sldId id="260" r:id="rId6"/>
   </p:sldIdLst>
   <p:sldSz cx="12192000" cy="6858000"/>
   <p:notesSz cx="6858000" cy="9144000"/>
@@ -847,7 +849,7 @@
           <a:p>
             <a:fld id="{4CCC4420-6703-4ACB-9896-9BFFCA85D90F}" type="datetimeFigureOut">
               <a:rPr lang="en-IN" smtClean="0"/>
-              <a:t>17-10-2020</a:t>
+              <a:t>26-10-2020</a:t>
             </a:fld>
             <a:endParaRPr lang="en-IN"/>
           </a:p>
@@ -1098,7 +1100,7 @@
           <a:p>
             <a:fld id="{4CCC4420-6703-4ACB-9896-9BFFCA85D90F}" type="datetimeFigureOut">
               <a:rPr lang="en-IN" smtClean="0"/>
-              <a:t>17-10-2020</a:t>
+              <a:t>26-10-2020</a:t>
             </a:fld>
             <a:endParaRPr lang="en-IN"/>
           </a:p>
@@ -1412,7 +1414,7 @@
           <a:p>
             <a:fld id="{4CCC4420-6703-4ACB-9896-9BFFCA85D90F}" type="datetimeFigureOut">
               <a:rPr lang="en-IN" smtClean="0"/>
-              <a:t>17-10-2020</a:t>
+              <a:t>26-10-2020</a:t>
             </a:fld>
             <a:endParaRPr lang="en-IN"/>
           </a:p>
@@ -1753,7 +1755,7 @@
           <a:p>
             <a:fld id="{4CCC4420-6703-4ACB-9896-9BFFCA85D90F}" type="datetimeFigureOut">
               <a:rPr lang="en-IN" smtClean="0"/>
-              <a:t>17-10-2020</a:t>
+              <a:t>26-10-2020</a:t>
             </a:fld>
             <a:endParaRPr lang="en-IN"/>
           </a:p>
@@ -2067,7 +2069,7 @@
           <a:p>
             <a:fld id="{4CCC4420-6703-4ACB-9896-9BFFCA85D90F}" type="datetimeFigureOut">
               <a:rPr lang="en-IN" smtClean="0"/>
-              <a:t>17-10-2020</a:t>
+              <a:t>26-10-2020</a:t>
             </a:fld>
             <a:endParaRPr lang="en-IN"/>
           </a:p>
@@ -2460,7 +2462,7 @@
           <a:p>
             <a:fld id="{4CCC4420-6703-4ACB-9896-9BFFCA85D90F}" type="datetimeFigureOut">
               <a:rPr lang="en-IN" smtClean="0"/>
-              <a:t>17-10-2020</a:t>
+              <a:t>26-10-2020</a:t>
             </a:fld>
             <a:endParaRPr lang="en-IN"/>
           </a:p>
@@ -2630,7 +2632,7 @@
           <a:p>
             <a:fld id="{4CCC4420-6703-4ACB-9896-9BFFCA85D90F}" type="datetimeFigureOut">
               <a:rPr lang="en-IN" smtClean="0"/>
-              <a:t>17-10-2020</a:t>
+              <a:t>26-10-2020</a:t>
             </a:fld>
             <a:endParaRPr lang="en-IN"/>
           </a:p>
@@ -2810,7 +2812,7 @@
           <a:p>
             <a:fld id="{4CCC4420-6703-4ACB-9896-9BFFCA85D90F}" type="datetimeFigureOut">
               <a:rPr lang="en-IN" smtClean="0"/>
-              <a:t>17-10-2020</a:t>
+              <a:t>26-10-2020</a:t>
             </a:fld>
             <a:endParaRPr lang="en-IN"/>
           </a:p>
@@ -2986,7 +2988,7 @@
           <a:p>
             <a:fld id="{4CCC4420-6703-4ACB-9896-9BFFCA85D90F}" type="datetimeFigureOut">
               <a:rPr lang="en-IN" smtClean="0"/>
-              <a:t>17-10-2020</a:t>
+              <a:t>26-10-2020</a:t>
             </a:fld>
             <a:endParaRPr lang="en-IN"/>
           </a:p>
@@ -3233,7 +3235,7 @@
           <a:p>
             <a:fld id="{4CCC4420-6703-4ACB-9896-9BFFCA85D90F}" type="datetimeFigureOut">
               <a:rPr lang="en-IN" smtClean="0"/>
-              <a:t>17-10-2020</a:t>
+              <a:t>26-10-2020</a:t>
             </a:fld>
             <a:endParaRPr lang="en-IN"/>
           </a:p>
@@ -3465,7 +3467,7 @@
           <a:p>
             <a:fld id="{4CCC4420-6703-4ACB-9896-9BFFCA85D90F}" type="datetimeFigureOut">
               <a:rPr lang="en-IN" smtClean="0"/>
-              <a:t>17-10-2020</a:t>
+              <a:t>26-10-2020</a:t>
             </a:fld>
             <a:endParaRPr lang="en-IN"/>
           </a:p>
@@ -3839,7 +3841,7 @@
           <a:p>
             <a:fld id="{4CCC4420-6703-4ACB-9896-9BFFCA85D90F}" type="datetimeFigureOut">
               <a:rPr lang="en-IN" smtClean="0"/>
-              <a:t>17-10-2020</a:t>
+              <a:t>26-10-2020</a:t>
             </a:fld>
             <a:endParaRPr lang="en-IN"/>
           </a:p>
@@ -3962,7 +3964,7 @@
           <a:p>
             <a:fld id="{4CCC4420-6703-4ACB-9896-9BFFCA85D90F}" type="datetimeFigureOut">
               <a:rPr lang="en-IN" smtClean="0"/>
-              <a:t>17-10-2020</a:t>
+              <a:t>26-10-2020</a:t>
             </a:fld>
             <a:endParaRPr lang="en-IN"/>
           </a:p>
@@ -4057,7 +4059,7 @@
           <a:p>
             <a:fld id="{4CCC4420-6703-4ACB-9896-9BFFCA85D90F}" type="datetimeFigureOut">
               <a:rPr lang="en-IN" smtClean="0"/>
-              <a:t>17-10-2020</a:t>
+              <a:t>26-10-2020</a:t>
             </a:fld>
             <a:endParaRPr lang="en-IN"/>
           </a:p>
@@ -4312,7 +4314,7 @@
           <a:p>
             <a:fld id="{4CCC4420-6703-4ACB-9896-9BFFCA85D90F}" type="datetimeFigureOut">
               <a:rPr lang="en-IN" smtClean="0"/>
-              <a:t>17-10-2020</a:t>
+              <a:t>26-10-2020</a:t>
             </a:fld>
             <a:endParaRPr lang="en-IN"/>
           </a:p>
@@ -4575,7 +4577,7 @@
           <a:p>
             <a:fld id="{4CCC4420-6703-4ACB-9896-9BFFCA85D90F}" type="datetimeFigureOut">
               <a:rPr lang="en-IN" smtClean="0"/>
-              <a:t>17-10-2020</a:t>
+              <a:t>26-10-2020</a:t>
             </a:fld>
             <a:endParaRPr lang="en-IN"/>
           </a:p>
@@ -5318,7 +5320,7 @@
           <a:p>
             <a:fld id="{4CCC4420-6703-4ACB-9896-9BFFCA85D90F}" type="datetimeFigureOut">
               <a:rPr lang="en-IN" smtClean="0"/>
-              <a:t>17-10-2020</a:t>
+              <a:t>26-10-2020</a:t>
             </a:fld>
             <a:endParaRPr lang="en-IN"/>
           </a:p>
@@ -5932,10 +5934,10 @@
       </p:grpSpPr>
       <p:sp>
         <p:nvSpPr>
-          <p:cNvPr id="7" name="Title 6">
+          <p:cNvPr id="2" name="Title 1">
             <a:extLst>
               <a:ext uri="{FF2B5EF4-FFF2-40B4-BE49-F238E27FC236}">
-                <a16:creationId xmlns:a16="http://schemas.microsoft.com/office/drawing/2014/main" id="{33823E4C-A544-4340-A365-6E9DA95340EA}"/>
+                <a16:creationId xmlns:a16="http://schemas.microsoft.com/office/drawing/2014/main" id="{2C625F49-818C-4CA0-B709-793059855B87}"/>
               </a:ext>
             </a:extLst>
           </p:cNvPr>
@@ -5946,100 +5948,75 @@
             <p:ph type="title"/>
           </p:nvPr>
         </p:nvSpPr>
-        <p:spPr>
-          <a:xfrm>
-            <a:off x="838200" y="365126"/>
-            <a:ext cx="10515600" cy="1019792"/>
-          </a:xfrm>
-        </p:spPr>
+        <p:spPr/>
         <p:txBody>
           <a:bodyPr/>
           <a:lstStyle/>
           <a:p>
             <a:pPr algn="ctr"/>
             <a:r>
-              <a:rPr lang="en-US" dirty="0"/>
-              <a:t>MapReduce</a:t>
-            </a:r>
-            <a:endParaRPr lang="en-IN" dirty="0"/>
-          </a:p>
-        </p:txBody>
-      </p:sp>
-      <p:pic>
-        <p:nvPicPr>
-          <p:cNvPr id="6" name="Content Placeholder 5">
+              <a:rPr lang="en-IN" dirty="0"/>
+              <a:t>Problem Statement</a:t>
+            </a:r>
+          </a:p>
+        </p:txBody>
+      </p:sp>
+      <p:sp>
+        <p:nvSpPr>
+          <p:cNvPr id="3" name="Content Placeholder 2">
             <a:extLst>
               <a:ext uri="{FF2B5EF4-FFF2-40B4-BE49-F238E27FC236}">
-                <a16:creationId xmlns:a16="http://schemas.microsoft.com/office/drawing/2014/main" id="{24C39D4F-552D-44FF-9784-4E4CDD17B9E1}"/>
+                <a16:creationId xmlns:a16="http://schemas.microsoft.com/office/drawing/2014/main" id="{6B13686F-D08D-47D3-900A-67250382FCB2}"/>
               </a:ext>
             </a:extLst>
           </p:cNvPr>
-          <p:cNvPicPr>
-            <a:picLocks noGrp="1" noChangeAspect="1"/>
-          </p:cNvPicPr>
+          <p:cNvSpPr>
+            <a:spLocks noGrp="1"/>
+          </p:cNvSpPr>
           <p:nvPr>
             <p:ph idx="1"/>
           </p:nvPr>
-        </p:nvPicPr>
-        <p:blipFill>
-          <a:blip r:embed="rId2">
-            <a:extLst>
-              <a:ext uri="{28A0092B-C50C-407E-A947-70E740481C1C}">
-                <a14:useLocalDpi xmlns:a14="http://schemas.microsoft.com/office/drawing/2010/main" val="0"/>
-              </a:ext>
-            </a:extLst>
-          </a:blip>
-          <a:stretch>
-            <a:fillRect/>
-          </a:stretch>
-        </p:blipFill>
-        <p:spPr>
-          <a:xfrm>
-            <a:off x="1037325" y="2160588"/>
-            <a:ext cx="7877388" cy="3881437"/>
-          </a:xfrm>
-        </p:spPr>
-      </p:pic>
-      <p:pic>
-        <p:nvPicPr>
-          <p:cNvPr id="3" name="Picture 2">
-            <a:extLst>
-              <a:ext uri="{FF2B5EF4-FFF2-40B4-BE49-F238E27FC236}">
-                <a16:creationId xmlns:a16="http://schemas.microsoft.com/office/drawing/2014/main" id="{CF909870-213A-4EA1-A71A-788C437F54E4}"/>
-              </a:ext>
-            </a:extLst>
-          </p:cNvPr>
-          <p:cNvPicPr>
-            <a:picLocks noChangeAspect="1"/>
-          </p:cNvPicPr>
-          <p:nvPr/>
-        </p:nvPicPr>
-        <p:blipFill>
-          <a:blip r:embed="rId3">
-            <a:extLst>
-              <a:ext uri="{28A0092B-C50C-407E-A947-70E740481C1C}">
-                <a14:useLocalDpi xmlns:a14="http://schemas.microsoft.com/office/drawing/2010/main" val="0"/>
-              </a:ext>
-            </a:extLst>
-          </a:blip>
-          <a:stretch>
-            <a:fillRect/>
-          </a:stretch>
-        </p:blipFill>
-        <p:spPr>
-          <a:xfrm>
-            <a:off x="1001588" y="1233995"/>
-            <a:ext cx="10188823" cy="5258879"/>
-          </a:xfrm>
-          <a:prstGeom prst="rect">
-            <a:avLst/>
-          </a:prstGeom>
-        </p:spPr>
-      </p:pic>
+        </p:nvSpPr>
+        <p:spPr/>
+        <p:txBody>
+          <a:bodyPr/>
+          <a:lstStyle/>
+          <a:p>
+            <a:endParaRPr lang="en-IN" dirty="0"/>
+          </a:p>
+          <a:p>
+            <a:r>
+              <a:rPr lang="en-IN" dirty="0"/>
+              <a:t>A music streaming website  is trying to find out the best songs of the year.</a:t>
+            </a:r>
+          </a:p>
+          <a:p>
+            <a:pPr marL="0" indent="0">
+              <a:buNone/>
+            </a:pPr>
+            <a:endParaRPr lang="en-IN" dirty="0"/>
+          </a:p>
+          <a:p>
+            <a:r>
+              <a:rPr lang="en-IN" dirty="0"/>
+              <a:t>According to the website, the popularity of a song is determined by the total  number of unique users played that song.</a:t>
+            </a:r>
+          </a:p>
+          <a:p>
+            <a:endParaRPr lang="en-IN" dirty="0"/>
+          </a:p>
+          <a:p>
+            <a:r>
+              <a:rPr lang="en-IN" dirty="0"/>
+              <a:t>After counting the user ids of each song, it wants to create a playlist in which the songs are arranged in decreasing order of their popularity.</a:t>
+            </a:r>
+          </a:p>
+        </p:txBody>
+      </p:sp>
     </p:spTree>
     <p:extLst>
       <p:ext uri="{BB962C8B-B14F-4D97-AF65-F5344CB8AC3E}">
-        <p14:creationId xmlns:p14="http://schemas.microsoft.com/office/powerpoint/2010/main" val="201129744"/>
+        <p14:creationId xmlns:p14="http://schemas.microsoft.com/office/powerpoint/2010/main" val="2722187443"/>
       </p:ext>
     </p:extLst>
   </p:cSld>
@@ -6068,6 +6045,142 @@
       </p:grpSpPr>
       <p:sp>
         <p:nvSpPr>
+          <p:cNvPr id="7" name="Title 6">
+            <a:extLst>
+              <a:ext uri="{FF2B5EF4-FFF2-40B4-BE49-F238E27FC236}">
+                <a16:creationId xmlns:a16="http://schemas.microsoft.com/office/drawing/2014/main" id="{33823E4C-A544-4340-A365-6E9DA95340EA}"/>
+              </a:ext>
+            </a:extLst>
+          </p:cNvPr>
+          <p:cNvSpPr>
+            <a:spLocks noGrp="1"/>
+          </p:cNvSpPr>
+          <p:nvPr>
+            <p:ph type="title"/>
+          </p:nvPr>
+        </p:nvSpPr>
+        <p:spPr>
+          <a:xfrm>
+            <a:off x="838200" y="365126"/>
+            <a:ext cx="10515600" cy="1019792"/>
+          </a:xfrm>
+        </p:spPr>
+        <p:txBody>
+          <a:bodyPr/>
+          <a:lstStyle/>
+          <a:p>
+            <a:pPr algn="ctr"/>
+            <a:r>
+              <a:rPr lang="en-US" dirty="0"/>
+              <a:t>MapReduce</a:t>
+            </a:r>
+            <a:endParaRPr lang="en-IN" dirty="0"/>
+          </a:p>
+        </p:txBody>
+      </p:sp>
+      <p:pic>
+        <p:nvPicPr>
+          <p:cNvPr id="6" name="Content Placeholder 5">
+            <a:extLst>
+              <a:ext uri="{FF2B5EF4-FFF2-40B4-BE49-F238E27FC236}">
+                <a16:creationId xmlns:a16="http://schemas.microsoft.com/office/drawing/2014/main" id="{24C39D4F-552D-44FF-9784-4E4CDD17B9E1}"/>
+              </a:ext>
+            </a:extLst>
+          </p:cNvPr>
+          <p:cNvPicPr>
+            <a:picLocks noGrp="1" noChangeAspect="1"/>
+          </p:cNvPicPr>
+          <p:nvPr>
+            <p:ph idx="1"/>
+          </p:nvPr>
+        </p:nvPicPr>
+        <p:blipFill>
+          <a:blip r:embed="rId2">
+            <a:extLst>
+              <a:ext uri="{28A0092B-C50C-407E-A947-70E740481C1C}">
+                <a14:useLocalDpi xmlns:a14="http://schemas.microsoft.com/office/drawing/2010/main" val="0"/>
+              </a:ext>
+            </a:extLst>
+          </a:blip>
+          <a:stretch>
+            <a:fillRect/>
+          </a:stretch>
+        </p:blipFill>
+        <p:spPr>
+          <a:xfrm>
+            <a:off x="1037325" y="2160588"/>
+            <a:ext cx="7877388" cy="3881437"/>
+          </a:xfrm>
+        </p:spPr>
+      </p:pic>
+      <p:pic>
+        <p:nvPicPr>
+          <p:cNvPr id="4" name="Picture 3">
+            <a:extLst>
+              <a:ext uri="{FF2B5EF4-FFF2-40B4-BE49-F238E27FC236}">
+                <a16:creationId xmlns:a16="http://schemas.microsoft.com/office/drawing/2014/main" id="{CFCB5E7B-E022-4A8E-8D17-FF0D9551A803}"/>
+              </a:ext>
+            </a:extLst>
+          </p:cNvPr>
+          <p:cNvPicPr>
+            <a:picLocks noChangeAspect="1"/>
+          </p:cNvPicPr>
+          <p:nvPr/>
+        </p:nvPicPr>
+        <p:blipFill>
+          <a:blip r:embed="rId3">
+            <a:extLst>
+              <a:ext uri="{28A0092B-C50C-407E-A947-70E740481C1C}">
+                <a14:useLocalDpi xmlns:a14="http://schemas.microsoft.com/office/drawing/2010/main" val="0"/>
+              </a:ext>
+            </a:extLst>
+          </a:blip>
+          <a:stretch>
+            <a:fillRect/>
+          </a:stretch>
+        </p:blipFill>
+        <p:spPr>
+          <a:xfrm>
+            <a:off x="971380" y="1182908"/>
+            <a:ext cx="9876376" cy="5220152"/>
+          </a:xfrm>
+          <a:prstGeom prst="rect">
+            <a:avLst/>
+          </a:prstGeom>
+        </p:spPr>
+      </p:pic>
+    </p:spTree>
+    <p:extLst>
+      <p:ext uri="{BB962C8B-B14F-4D97-AF65-F5344CB8AC3E}">
+        <p14:creationId xmlns:p14="http://schemas.microsoft.com/office/powerpoint/2010/main" val="201129744"/>
+      </p:ext>
+    </p:extLst>
+  </p:cSld>
+  <p:clrMapOvr>
+    <a:masterClrMapping/>
+  </p:clrMapOvr>
+</p:sld>
+</file>
+
+<file path=ppt/slides/slide4.xml><?xml version="1.0" encoding="utf-8"?>
+<p:sld xmlns:a="http://schemas.openxmlformats.org/drawingml/2006/main" xmlns:r="http://schemas.openxmlformats.org/officeDocument/2006/relationships" xmlns:p="http://schemas.openxmlformats.org/presentationml/2006/main">
+  <p:cSld>
+    <p:spTree>
+      <p:nvGrpSpPr>
+        <p:cNvPr id="1" name=""/>
+        <p:cNvGrpSpPr/>
+        <p:nvPr/>
+      </p:nvGrpSpPr>
+      <p:grpSpPr>
+        <a:xfrm>
+          <a:off x="0" y="0"/>
+          <a:ext cx="0" cy="0"/>
+          <a:chOff x="0" y="0"/>
+          <a:chExt cx="0" cy="0"/>
+        </a:xfrm>
+      </p:grpSpPr>
+      <p:sp>
+        <p:nvSpPr>
           <p:cNvPr id="2" name="Title 1">
             <a:extLst>
               <a:ext uri="{FF2B5EF4-FFF2-40B4-BE49-F238E27FC236}">
@@ -6120,12 +6233,6 @@
           <a:p>
             <a:r>
               <a:rPr lang="en-IN" dirty="0"/>
-              <a:t>An Online music streaming website is trying to find out the most played song of the day.</a:t>
-            </a:r>
-          </a:p>
-          <a:p>
-            <a:r>
-              <a:rPr lang="en-IN" dirty="0"/>
               <a:t>There is a unique track ID for each and every song, also there is a unique user ID associated to every user. </a:t>
             </a:r>
           </a:p>
@@ -6138,13 +6245,13 @@
           <a:p>
             <a:r>
               <a:rPr lang="en-IN" dirty="0"/>
-              <a:t>Mapper in this case will find out the total number of unique users for each track id.</a:t>
+              <a:t>Mapper in this case will find out the count of unique users for each track id.</a:t>
             </a:r>
           </a:p>
           <a:p>
             <a:r>
               <a:rPr lang="en-IN" dirty="0"/>
-              <a:t>Reducer will combine all the outputs of mapper and it will only store the track which has maximum number of unique users as the output.</a:t>
+              <a:t>Reducer will combine all the outputs of mapper and it will store the tracks in the decreasing order of their count.</a:t>
             </a:r>
           </a:p>
         </p:txBody>
@@ -6153,6 +6260,139 @@
     <p:extLst>
       <p:ext uri="{BB962C8B-B14F-4D97-AF65-F5344CB8AC3E}">
         <p14:creationId xmlns:p14="http://schemas.microsoft.com/office/powerpoint/2010/main" val="830728944"/>
+      </p:ext>
+    </p:extLst>
+  </p:cSld>
+  <p:clrMapOvr>
+    <a:masterClrMapping/>
+  </p:clrMapOvr>
+</p:sld>
+</file>
+
+<file path=ppt/slides/slide5.xml><?xml version="1.0" encoding="utf-8"?>
+<p:sld xmlns:a="http://schemas.openxmlformats.org/drawingml/2006/main" xmlns:r="http://schemas.openxmlformats.org/officeDocument/2006/relationships" xmlns:p="http://schemas.openxmlformats.org/presentationml/2006/main">
+  <p:cSld>
+    <p:spTree>
+      <p:nvGrpSpPr>
+        <p:cNvPr id="1" name=""/>
+        <p:cNvGrpSpPr/>
+        <p:nvPr/>
+      </p:nvGrpSpPr>
+      <p:grpSpPr>
+        <a:xfrm>
+          <a:off x="0" y="0"/>
+          <a:ext cx="0" cy="0"/>
+          <a:chOff x="0" y="0"/>
+          <a:chExt cx="0" cy="0"/>
+        </a:xfrm>
+      </p:grpSpPr>
+      <p:sp>
+        <p:nvSpPr>
+          <p:cNvPr id="2" name="Title 1">
+            <a:extLst>
+              <a:ext uri="{FF2B5EF4-FFF2-40B4-BE49-F238E27FC236}">
+                <a16:creationId xmlns:a16="http://schemas.microsoft.com/office/drawing/2014/main" id="{40A25419-C578-4A1A-895B-E5E3C9B2451C}"/>
+              </a:ext>
+            </a:extLst>
+          </p:cNvPr>
+          <p:cNvSpPr>
+            <a:spLocks noGrp="1"/>
+          </p:cNvSpPr>
+          <p:nvPr>
+            <p:ph type="title"/>
+          </p:nvPr>
+        </p:nvSpPr>
+        <p:spPr/>
+        <p:txBody>
+          <a:bodyPr/>
+          <a:lstStyle/>
+          <a:p>
+            <a:pPr algn="ctr"/>
+            <a:r>
+              <a:rPr lang="en-IN" dirty="0"/>
+              <a:t>Solution</a:t>
+            </a:r>
+          </a:p>
+        </p:txBody>
+      </p:sp>
+      <p:sp>
+        <p:nvSpPr>
+          <p:cNvPr id="3" name="Content Placeholder 2">
+            <a:extLst>
+              <a:ext uri="{FF2B5EF4-FFF2-40B4-BE49-F238E27FC236}">
+                <a16:creationId xmlns:a16="http://schemas.microsoft.com/office/drawing/2014/main" id="{2559EC9F-F396-480F-A50A-0543E46FB9C5}"/>
+              </a:ext>
+            </a:extLst>
+          </p:cNvPr>
+          <p:cNvSpPr>
+            <a:spLocks noGrp="1"/>
+          </p:cNvSpPr>
+          <p:nvPr>
+            <p:ph idx="1"/>
+          </p:nvPr>
+        </p:nvSpPr>
+        <p:spPr/>
+        <p:txBody>
+          <a:bodyPr/>
+          <a:lstStyle/>
+          <a:p>
+            <a:pPr lvl="1"/>
+            <a:r>
+              <a:rPr lang="en-IN" sz="1800" dirty="0"/>
+              <a:t>Mapper :</a:t>
+            </a:r>
+          </a:p>
+          <a:p>
+            <a:pPr lvl="2"/>
+            <a:r>
+              <a:rPr lang="en-IN" sz="1600" dirty="0"/>
+              <a:t>Mapper will find out the total number of unique user ids under each track.</a:t>
+            </a:r>
+          </a:p>
+          <a:p>
+            <a:pPr lvl="2"/>
+            <a:r>
+              <a:rPr lang="en-IN" sz="1600" dirty="0"/>
+              <a:t>The count will then be passed to reducer.</a:t>
+            </a:r>
+          </a:p>
+          <a:p>
+            <a:pPr lvl="2"/>
+            <a:endParaRPr lang="en-IN" sz="1600" dirty="0"/>
+          </a:p>
+          <a:p>
+            <a:pPr lvl="1"/>
+            <a:r>
+              <a:rPr lang="en-IN" sz="1800" dirty="0"/>
+              <a:t>Reducer:</a:t>
+            </a:r>
+          </a:p>
+          <a:p>
+            <a:pPr lvl="2"/>
+            <a:r>
+              <a:rPr lang="en-IN" sz="1600" dirty="0" err="1"/>
+              <a:t>Identi</a:t>
+            </a:r>
+            <a:r>
+              <a:rPr lang="en-IN" sz="1600" dirty="0"/>
+              <a:t> Reducer will combine the output of all the mappers and sort them according to their </a:t>
+            </a:r>
+            <a:r>
+              <a:rPr lang="en-IN" sz="1600"/>
+              <a:t>count.</a:t>
+            </a:r>
+            <a:endParaRPr lang="en-IN" sz="1600" dirty="0"/>
+          </a:p>
+          <a:p>
+            <a:pPr lvl="2"/>
+            <a:endParaRPr lang="en-IN" sz="1600" dirty="0"/>
+          </a:p>
+        </p:txBody>
+      </p:sp>
+    </p:spTree>
+    <p:extLst>
+      <p:ext uri="{BB962C8B-B14F-4D97-AF65-F5344CB8AC3E}">
+        <p14:creationId xmlns:p14="http://schemas.microsoft.com/office/powerpoint/2010/main" val="1241170846"/>
       </p:ext>
     </p:extLst>
   </p:cSld>

--- a/CC/MapReduce.pptx
+++ b/CC/MapReduce.pptx
@@ -8,8 +8,7 @@
     <p:sldId id="256" r:id="rId2"/>
     <p:sldId id="259" r:id="rId3"/>
     <p:sldId id="257" r:id="rId4"/>
-    <p:sldId id="258" r:id="rId5"/>
-    <p:sldId id="260" r:id="rId6"/>
+    <p:sldId id="260" r:id="rId5"/>
   </p:sldIdLst>
   <p:sldSz cx="12192000" cy="6858000"/>
   <p:notesSz cx="6858000" cy="9144000"/>
@@ -849,7 +848,7 @@
           <a:p>
             <a:fld id="{4CCC4420-6703-4ACB-9896-9BFFCA85D90F}" type="datetimeFigureOut">
               <a:rPr lang="en-IN" smtClean="0"/>
-              <a:t>26-10-2020</a:t>
+              <a:t>28-10-2020</a:t>
             </a:fld>
             <a:endParaRPr lang="en-IN"/>
           </a:p>
@@ -1100,7 +1099,7 @@
           <a:p>
             <a:fld id="{4CCC4420-6703-4ACB-9896-9BFFCA85D90F}" type="datetimeFigureOut">
               <a:rPr lang="en-IN" smtClean="0"/>
-              <a:t>26-10-2020</a:t>
+              <a:t>28-10-2020</a:t>
             </a:fld>
             <a:endParaRPr lang="en-IN"/>
           </a:p>
@@ -1414,7 +1413,7 @@
           <a:p>
             <a:fld id="{4CCC4420-6703-4ACB-9896-9BFFCA85D90F}" type="datetimeFigureOut">
               <a:rPr lang="en-IN" smtClean="0"/>
-              <a:t>26-10-2020</a:t>
+              <a:t>28-10-2020</a:t>
             </a:fld>
             <a:endParaRPr lang="en-IN"/>
           </a:p>
@@ -1755,7 +1754,7 @@
           <a:p>
             <a:fld id="{4CCC4420-6703-4ACB-9896-9BFFCA85D90F}" type="datetimeFigureOut">
               <a:rPr lang="en-IN" smtClean="0"/>
-              <a:t>26-10-2020</a:t>
+              <a:t>28-10-2020</a:t>
             </a:fld>
             <a:endParaRPr lang="en-IN"/>
           </a:p>
@@ -2069,7 +2068,7 @@
           <a:p>
             <a:fld id="{4CCC4420-6703-4ACB-9896-9BFFCA85D90F}" type="datetimeFigureOut">
               <a:rPr lang="en-IN" smtClean="0"/>
-              <a:t>26-10-2020</a:t>
+              <a:t>28-10-2020</a:t>
             </a:fld>
             <a:endParaRPr lang="en-IN"/>
           </a:p>
@@ -2462,7 +2461,7 @@
           <a:p>
             <a:fld id="{4CCC4420-6703-4ACB-9896-9BFFCA85D90F}" type="datetimeFigureOut">
               <a:rPr lang="en-IN" smtClean="0"/>
-              <a:t>26-10-2020</a:t>
+              <a:t>28-10-2020</a:t>
             </a:fld>
             <a:endParaRPr lang="en-IN"/>
           </a:p>
@@ -2632,7 +2631,7 @@
           <a:p>
             <a:fld id="{4CCC4420-6703-4ACB-9896-9BFFCA85D90F}" type="datetimeFigureOut">
               <a:rPr lang="en-IN" smtClean="0"/>
-              <a:t>26-10-2020</a:t>
+              <a:t>28-10-2020</a:t>
             </a:fld>
             <a:endParaRPr lang="en-IN"/>
           </a:p>
@@ -2812,7 +2811,7 @@
           <a:p>
             <a:fld id="{4CCC4420-6703-4ACB-9896-9BFFCA85D90F}" type="datetimeFigureOut">
               <a:rPr lang="en-IN" smtClean="0"/>
-              <a:t>26-10-2020</a:t>
+              <a:t>28-10-2020</a:t>
             </a:fld>
             <a:endParaRPr lang="en-IN"/>
           </a:p>
@@ -2988,7 +2987,7 @@
           <a:p>
             <a:fld id="{4CCC4420-6703-4ACB-9896-9BFFCA85D90F}" type="datetimeFigureOut">
               <a:rPr lang="en-IN" smtClean="0"/>
-              <a:t>26-10-2020</a:t>
+              <a:t>28-10-2020</a:t>
             </a:fld>
             <a:endParaRPr lang="en-IN"/>
           </a:p>
@@ -3235,7 +3234,7 @@
           <a:p>
             <a:fld id="{4CCC4420-6703-4ACB-9896-9BFFCA85D90F}" type="datetimeFigureOut">
               <a:rPr lang="en-IN" smtClean="0"/>
-              <a:t>26-10-2020</a:t>
+              <a:t>28-10-2020</a:t>
             </a:fld>
             <a:endParaRPr lang="en-IN"/>
           </a:p>
@@ -3467,7 +3466,7 @@
           <a:p>
             <a:fld id="{4CCC4420-6703-4ACB-9896-9BFFCA85D90F}" type="datetimeFigureOut">
               <a:rPr lang="en-IN" smtClean="0"/>
-              <a:t>26-10-2020</a:t>
+              <a:t>28-10-2020</a:t>
             </a:fld>
             <a:endParaRPr lang="en-IN"/>
           </a:p>
@@ -3841,7 +3840,7 @@
           <a:p>
             <a:fld id="{4CCC4420-6703-4ACB-9896-9BFFCA85D90F}" type="datetimeFigureOut">
               <a:rPr lang="en-IN" smtClean="0"/>
-              <a:t>26-10-2020</a:t>
+              <a:t>28-10-2020</a:t>
             </a:fld>
             <a:endParaRPr lang="en-IN"/>
           </a:p>
@@ -3964,7 +3963,7 @@
           <a:p>
             <a:fld id="{4CCC4420-6703-4ACB-9896-9BFFCA85D90F}" type="datetimeFigureOut">
               <a:rPr lang="en-IN" smtClean="0"/>
-              <a:t>26-10-2020</a:t>
+              <a:t>28-10-2020</a:t>
             </a:fld>
             <a:endParaRPr lang="en-IN"/>
           </a:p>
@@ -4059,7 +4058,7 @@
           <a:p>
             <a:fld id="{4CCC4420-6703-4ACB-9896-9BFFCA85D90F}" type="datetimeFigureOut">
               <a:rPr lang="en-IN" smtClean="0"/>
-              <a:t>26-10-2020</a:t>
+              <a:t>28-10-2020</a:t>
             </a:fld>
             <a:endParaRPr lang="en-IN"/>
           </a:p>
@@ -4314,7 +4313,7 @@
           <a:p>
             <a:fld id="{4CCC4420-6703-4ACB-9896-9BFFCA85D90F}" type="datetimeFigureOut">
               <a:rPr lang="en-IN" smtClean="0"/>
-              <a:t>26-10-2020</a:t>
+              <a:t>28-10-2020</a:t>
             </a:fld>
             <a:endParaRPr lang="en-IN"/>
           </a:p>
@@ -4577,7 +4576,7 @@
           <a:p>
             <a:fld id="{4CCC4420-6703-4ACB-9896-9BFFCA85D90F}" type="datetimeFigureOut">
               <a:rPr lang="en-IN" smtClean="0"/>
-              <a:t>26-10-2020</a:t>
+              <a:t>28-10-2020</a:t>
             </a:fld>
             <a:endParaRPr lang="en-IN"/>
           </a:p>
@@ -5320,7 +5319,7 @@
           <a:p>
             <a:fld id="{4CCC4420-6703-4ACB-9896-9BFFCA85D90F}" type="datetimeFigureOut">
               <a:rPr lang="en-IN" smtClean="0"/>
-              <a:t>26-10-2020</a:t>
+              <a:t>28-10-2020</a:t>
             </a:fld>
             <a:endParaRPr lang="en-IN"/>
           </a:p>
@@ -5889,16 +5888,51 @@
             <p:ph type="subTitle" idx="1"/>
           </p:nvPr>
         </p:nvSpPr>
-        <p:spPr/>
-        <p:txBody>
-          <a:bodyPr/>
+        <p:spPr>
+          <a:xfrm>
+            <a:off x="1507067" y="4050833"/>
+            <a:ext cx="7766936" cy="2039249"/>
+          </a:xfrm>
+        </p:spPr>
+        <p:txBody>
+          <a:bodyPr>
+            <a:normAutofit/>
+          </a:bodyPr>
           <a:lstStyle/>
           <a:p>
             <a:r>
               <a:rPr lang="en-US" dirty="0"/>
               <a:t>Understanding With Real-Life problem</a:t>
             </a:r>
-            <a:endParaRPr lang="en-IN" dirty="0"/>
+          </a:p>
+          <a:p>
+            <a:pPr algn="l"/>
+            <a:endParaRPr lang="en-US"/>
+          </a:p>
+          <a:p>
+            <a:pPr algn="l"/>
+            <a:r>
+              <a:rPr lang="en-US"/>
+              <a:t>Name </a:t>
+            </a:r>
+            <a:r>
+              <a:rPr lang="en-US" dirty="0"/>
+              <a:t>– Adhyyan Tripathi</a:t>
+            </a:r>
+          </a:p>
+          <a:p>
+            <a:pPr algn="l"/>
+            <a:r>
+              <a:rPr lang="en-US" dirty="0"/>
+              <a:t>Reg no – 201700403</a:t>
+            </a:r>
+          </a:p>
+          <a:p>
+            <a:pPr algn="l"/>
+            <a:r>
+              <a:rPr lang="en-IN" dirty="0"/>
+              <a:t>Sec - C</a:t>
+            </a:r>
           </a:p>
         </p:txBody>
       </p:sp>
@@ -6163,113 +6197,6 @@
 </file>
 
 <file path=ppt/slides/slide4.xml><?xml version="1.0" encoding="utf-8"?>
-<p:sld xmlns:a="http://schemas.openxmlformats.org/drawingml/2006/main" xmlns:r="http://schemas.openxmlformats.org/officeDocument/2006/relationships" xmlns:p="http://schemas.openxmlformats.org/presentationml/2006/main">
-  <p:cSld>
-    <p:spTree>
-      <p:nvGrpSpPr>
-        <p:cNvPr id="1" name=""/>
-        <p:cNvGrpSpPr/>
-        <p:nvPr/>
-      </p:nvGrpSpPr>
-      <p:grpSpPr>
-        <a:xfrm>
-          <a:off x="0" y="0"/>
-          <a:ext cx="0" cy="0"/>
-          <a:chOff x="0" y="0"/>
-          <a:chExt cx="0" cy="0"/>
-        </a:xfrm>
-      </p:grpSpPr>
-      <p:sp>
-        <p:nvSpPr>
-          <p:cNvPr id="2" name="Title 1">
-            <a:extLst>
-              <a:ext uri="{FF2B5EF4-FFF2-40B4-BE49-F238E27FC236}">
-                <a16:creationId xmlns:a16="http://schemas.microsoft.com/office/drawing/2014/main" id="{730DB991-D2BA-4484-AB09-61F5925B52C8}"/>
-              </a:ext>
-            </a:extLst>
-          </p:cNvPr>
-          <p:cNvSpPr>
-            <a:spLocks noGrp="1"/>
-          </p:cNvSpPr>
-          <p:nvPr>
-            <p:ph type="title"/>
-          </p:nvPr>
-        </p:nvSpPr>
-        <p:spPr/>
-        <p:txBody>
-          <a:bodyPr/>
-          <a:lstStyle/>
-          <a:p>
-            <a:pPr algn="ctr"/>
-            <a:r>
-              <a:rPr lang="en-IN" dirty="0"/>
-              <a:t>Description</a:t>
-            </a:r>
-          </a:p>
-        </p:txBody>
-      </p:sp>
-      <p:sp>
-        <p:nvSpPr>
-          <p:cNvPr id="3" name="Content Placeholder 2">
-            <a:extLst>
-              <a:ext uri="{FF2B5EF4-FFF2-40B4-BE49-F238E27FC236}">
-                <a16:creationId xmlns:a16="http://schemas.microsoft.com/office/drawing/2014/main" id="{893299F1-CBC2-4B2A-8093-60CC590D5F40}"/>
-              </a:ext>
-            </a:extLst>
-          </p:cNvPr>
-          <p:cNvSpPr>
-            <a:spLocks noGrp="1"/>
-          </p:cNvSpPr>
-          <p:nvPr>
-            <p:ph idx="1"/>
-          </p:nvPr>
-        </p:nvSpPr>
-        <p:spPr/>
-        <p:txBody>
-          <a:bodyPr>
-            <a:normAutofit/>
-          </a:bodyPr>
-          <a:lstStyle/>
-          <a:p>
-            <a:r>
-              <a:rPr lang="en-IN" dirty="0"/>
-              <a:t>There is a unique track ID for each and every song, also there is a unique user ID associated to every user. </a:t>
-            </a:r>
-          </a:p>
-          <a:p>
-            <a:r>
-              <a:rPr lang="en-IN" dirty="0"/>
-              <a:t>The website wants to find out the song which is played by maximum number of unique users</a:t>
-            </a:r>
-          </a:p>
-          <a:p>
-            <a:r>
-              <a:rPr lang="en-IN" dirty="0"/>
-              <a:t>Mapper in this case will find out the count of unique users for each track id.</a:t>
-            </a:r>
-          </a:p>
-          <a:p>
-            <a:r>
-              <a:rPr lang="en-IN" dirty="0"/>
-              <a:t>Reducer will combine all the outputs of mapper and it will store the tracks in the decreasing order of their count.</a:t>
-            </a:r>
-          </a:p>
-        </p:txBody>
-      </p:sp>
-    </p:spTree>
-    <p:extLst>
-      <p:ext uri="{BB962C8B-B14F-4D97-AF65-F5344CB8AC3E}">
-        <p14:creationId xmlns:p14="http://schemas.microsoft.com/office/powerpoint/2010/main" val="830728944"/>
-      </p:ext>
-    </p:extLst>
-  </p:cSld>
-  <p:clrMapOvr>
-    <a:masterClrMapping/>
-  </p:clrMapOvr>
-</p:sld>
-</file>
-
-<file path=ppt/slides/slide5.xml><?xml version="1.0" encoding="utf-8"?>
 <p:sld xmlns:a="http://schemas.openxmlformats.org/drawingml/2006/main" xmlns:r="http://schemas.openxmlformats.org/officeDocument/2006/relationships" xmlns:p="http://schemas.openxmlformats.org/presentationml/2006/main">
   <p:cSld>
     <p:spTree>
